--- a/Sprint Presentation.pptx
+++ b/Sprint Presentation.pptx
@@ -112,6 +112,11 @@
       </a:defRPr>
     </a:lvl9pPr>
   </p:defaultTextStyle>
+  <p:extLst>
+    <p:ext uri="{EFAFB233-063F-42B5-8137-9DF3F51BA10A}">
+      <p15:sldGuideLst xmlns:p15="http://schemas.microsoft.com/office/powerpoint/2012/main"/>
+    </p:ext>
+  </p:extLst>
 </p:presentation>
 </file>
 
@@ -3532,7 +3537,6 @@
               <a:rPr lang="en-GB" sz="3200" dirty="0" smtClean="0"/>
               <a:t>Ben – Product Owner/Dev Team</a:t>
             </a:r>
-            <a:endParaRPr lang="en-GB" sz="3200" dirty="0" smtClean="0"/>
           </a:p>
           <a:p>
             <a:pPr marL="457200" indent="-457200">
@@ -3553,7 +3557,6 @@
               <a:rPr lang="en-GB" sz="3200" dirty="0" smtClean="0"/>
               <a:t>Yifan – Dev Team</a:t>
             </a:r>
-            <a:endParaRPr lang="en-GB" sz="3200" dirty="0" smtClean="0"/>
           </a:p>
           <a:p>
             <a:pPr marL="457200" indent="-457200">
@@ -3562,13 +3565,8 @@
             </a:pPr>
             <a:r>
               <a:rPr lang="en-GB" sz="3200" dirty="0" smtClean="0"/>
-              <a:t>Rob – </a:t>
-            </a:r>
-            <a:r>
-              <a:rPr lang="en-GB" sz="3200" dirty="0" smtClean="0"/>
-              <a:t>Dev Team</a:t>
-            </a:r>
-            <a:endParaRPr lang="en-GB" sz="3200" dirty="0" smtClean="0"/>
+              <a:t>Rob – Dev Team</a:t>
+            </a:r>
           </a:p>
           <a:p>
             <a:endParaRPr lang="en-GB" dirty="0"/>
@@ -4288,7 +4286,7 @@
         <p:spPr>
           <a:xfrm>
             <a:off x="124286" y="3160806"/>
-            <a:ext cx="11824968" cy="2031325"/>
+            <a:ext cx="11824968" cy="2862322"/>
           </a:xfrm>
           <a:prstGeom prst="rect">
             <a:avLst/>
@@ -4356,6 +4354,30 @@
             <a:r>
               <a:rPr lang="en-GB" dirty="0" smtClean="0"/>
               <a:t>Sprint that were unnecessary as we could’ve just asked our clients.</a:t>
+            </a:r>
+          </a:p>
+          <a:p>
+            <a:pPr marL="285750" indent="-285750">
+              <a:buFont typeface="Arial" panose="020B0604020202020204" pitchFamily="34" charset="0"/>
+              <a:buChar char="•"/>
+            </a:pPr>
+            <a:endParaRPr lang="en-GB" dirty="0" smtClean="0"/>
+          </a:p>
+          <a:p>
+            <a:pPr marL="285750" indent="-285750">
+              <a:buFont typeface="Arial" panose="020B0604020202020204" pitchFamily="34" charset="0"/>
+              <a:buChar char="•"/>
+            </a:pPr>
+            <a:r>
+              <a:rPr lang="en-GB" dirty="0" smtClean="0"/>
+              <a:t>We should invest in spending time creating branches for the GitHub repo with each collaborator’s work to avoid file </a:t>
+            </a:r>
+            <a:br>
+              <a:rPr lang="en-GB" dirty="0" smtClean="0"/>
+            </a:br>
+            <a:r>
+              <a:rPr lang="en-GB" dirty="0" smtClean="0"/>
+              <a:t>conflicts</a:t>
             </a:r>
             <a:endParaRPr lang="en-GB" dirty="0"/>
           </a:p>

--- a/Sprint Presentation.pptx
+++ b/Sprint Presentation.pptx
@@ -8,12 +8,13 @@
     <p:sldId id="256" r:id="rId2"/>
     <p:sldId id="257" r:id="rId3"/>
     <p:sldId id="261" r:id="rId4"/>
-    <p:sldId id="262" r:id="rId5"/>
-    <p:sldId id="263" r:id="rId6"/>
-    <p:sldId id="259" r:id="rId7"/>
-    <p:sldId id="260" r:id="rId8"/>
-    <p:sldId id="264" r:id="rId9"/>
-    <p:sldId id="265" r:id="rId10"/>
+    <p:sldId id="266" r:id="rId5"/>
+    <p:sldId id="262" r:id="rId6"/>
+    <p:sldId id="263" r:id="rId7"/>
+    <p:sldId id="259" r:id="rId8"/>
+    <p:sldId id="260" r:id="rId9"/>
+    <p:sldId id="264" r:id="rId10"/>
+    <p:sldId id="265" r:id="rId11"/>
   </p:sldIdLst>
   <p:sldSz cx="12192000" cy="6858000"/>
   <p:notesSz cx="6858000" cy="9144000"/>
@@ -296,7 +297,7 @@
           <a:p>
             <a:fld id="{7D39B879-0AC9-42BF-A2BC-F80F7A12AAD1}" type="datetimeFigureOut">
               <a:rPr lang="en-GB" smtClean="0"/>
-              <a:t>04/11/2019</a:t>
+              <a:t>05/11/2019</a:t>
             </a:fld>
             <a:endParaRPr lang="en-GB"/>
           </a:p>
@@ -466,7 +467,7 @@
           <a:p>
             <a:fld id="{7D39B879-0AC9-42BF-A2BC-F80F7A12AAD1}" type="datetimeFigureOut">
               <a:rPr lang="en-GB" smtClean="0"/>
-              <a:t>04/11/2019</a:t>
+              <a:t>05/11/2019</a:t>
             </a:fld>
             <a:endParaRPr lang="en-GB"/>
           </a:p>
@@ -689,7 +690,7 @@
           <a:p>
             <a:fld id="{7D39B879-0AC9-42BF-A2BC-F80F7A12AAD1}" type="datetimeFigureOut">
               <a:rPr lang="en-GB" smtClean="0"/>
-              <a:t>04/11/2019</a:t>
+              <a:t>05/11/2019</a:t>
             </a:fld>
             <a:endParaRPr lang="en-GB"/>
           </a:p>
@@ -869,7 +870,7 @@
           <a:p>
             <a:fld id="{7D39B879-0AC9-42BF-A2BC-F80F7A12AAD1}" type="datetimeFigureOut">
               <a:rPr lang="en-GB" smtClean="0"/>
-              <a:t>04/11/2019</a:t>
+              <a:t>05/11/2019</a:t>
             </a:fld>
             <a:endParaRPr lang="en-GB"/>
           </a:p>
@@ -1175,7 +1176,7 @@
           <a:p>
             <a:fld id="{7D39B879-0AC9-42BF-A2BC-F80F7A12AAD1}" type="datetimeFigureOut">
               <a:rPr lang="en-GB" smtClean="0"/>
-              <a:t>04/11/2019</a:t>
+              <a:t>05/11/2019</a:t>
             </a:fld>
             <a:endParaRPr lang="en-GB"/>
           </a:p>
@@ -1479,7 +1480,7 @@
           <a:p>
             <a:fld id="{7D39B879-0AC9-42BF-A2BC-F80F7A12AAD1}" type="datetimeFigureOut">
               <a:rPr lang="en-GB" smtClean="0"/>
-              <a:t>04/11/2019</a:t>
+              <a:t>05/11/2019</a:t>
             </a:fld>
             <a:endParaRPr lang="en-GB"/>
           </a:p>
@@ -1906,7 +1907,7 @@
           <a:p>
             <a:fld id="{7D39B879-0AC9-42BF-A2BC-F80F7A12AAD1}" type="datetimeFigureOut">
               <a:rPr lang="en-GB" smtClean="0"/>
-              <a:t>04/11/2019</a:t>
+              <a:t>05/11/2019</a:t>
             </a:fld>
             <a:endParaRPr lang="en-GB"/>
           </a:p>
@@ -2029,7 +2030,7 @@
           <a:p>
             <a:fld id="{7D39B879-0AC9-42BF-A2BC-F80F7A12AAD1}" type="datetimeFigureOut">
               <a:rPr lang="en-GB" smtClean="0"/>
-              <a:t>04/11/2019</a:t>
+              <a:t>05/11/2019</a:t>
             </a:fld>
             <a:endParaRPr lang="en-GB"/>
           </a:p>
@@ -2124,7 +2125,7 @@
           <a:p>
             <a:fld id="{7D39B879-0AC9-42BF-A2BC-F80F7A12AAD1}" type="datetimeFigureOut">
               <a:rPr lang="en-GB" smtClean="0"/>
-              <a:t>04/11/2019</a:t>
+              <a:t>05/11/2019</a:t>
             </a:fld>
             <a:endParaRPr lang="en-GB"/>
           </a:p>
@@ -2397,7 +2398,7 @@
           <a:p>
             <a:fld id="{7D39B879-0AC9-42BF-A2BC-F80F7A12AAD1}" type="datetimeFigureOut">
               <a:rPr lang="en-GB" smtClean="0"/>
-              <a:t>04/11/2019</a:t>
+              <a:t>05/11/2019</a:t>
             </a:fld>
             <a:endParaRPr lang="en-GB"/>
           </a:p>
@@ -2667,7 +2668,7 @@
           <a:p>
             <a:fld id="{7D39B879-0AC9-42BF-A2BC-F80F7A12AAD1}" type="datetimeFigureOut">
               <a:rPr lang="en-GB" smtClean="0"/>
-              <a:t>04/11/2019</a:t>
+              <a:t>05/11/2019</a:t>
             </a:fld>
             <a:endParaRPr lang="en-GB"/>
           </a:p>
@@ -2916,7 +2917,7 @@
           <a:p>
             <a:fld id="{7D39B879-0AC9-42BF-A2BC-F80F7A12AAD1}" type="datetimeFigureOut">
               <a:rPr lang="en-GB" smtClean="0"/>
-              <a:t>04/11/2019</a:t>
+              <a:t>05/11/2019</a:t>
             </a:fld>
             <a:endParaRPr lang="en-GB"/>
           </a:p>
@@ -3447,6 +3448,77 @@
 </p:sld>
 </file>
 
+<file path=ppt/slides/slide10.xml><?xml version="1.0" encoding="utf-8"?>
+<p:sld xmlns:a="http://schemas.openxmlformats.org/drawingml/2006/main" xmlns:r="http://schemas.openxmlformats.org/officeDocument/2006/relationships" xmlns:p="http://schemas.openxmlformats.org/presentationml/2006/main">
+  <p:cSld>
+    <p:spTree>
+      <p:nvGrpSpPr>
+        <p:cNvPr id="1" name=""/>
+        <p:cNvGrpSpPr/>
+        <p:nvPr/>
+      </p:nvGrpSpPr>
+      <p:grpSpPr>
+        <a:xfrm>
+          <a:off x="0" y="0"/>
+          <a:ext cx="0" cy="0"/>
+          <a:chOff x="0" y="0"/>
+          <a:chExt cx="0" cy="0"/>
+        </a:xfrm>
+      </p:grpSpPr>
+      <p:sp>
+        <p:nvSpPr>
+          <p:cNvPr id="2" name="TextBox 1"/>
+          <p:cNvSpPr txBox="1"/>
+          <p:nvPr/>
+        </p:nvSpPr>
+        <p:spPr>
+          <a:xfrm>
+            <a:off x="0" y="2123132"/>
+            <a:ext cx="12191999" cy="2308324"/>
+          </a:xfrm>
+          <a:prstGeom prst="rect">
+            <a:avLst/>
+          </a:prstGeom>
+          <a:noFill/>
+        </p:spPr>
+        <p:txBody>
+          <a:bodyPr wrap="square" rtlCol="0">
+            <a:spAutoFit/>
+          </a:bodyPr>
+          <a:lstStyle/>
+          <a:p>
+            <a:pPr algn="ctr"/>
+            <a:r>
+              <a:rPr lang="en-GB" sz="4800" b="1" dirty="0" smtClean="0"/>
+              <a:t>Thank you for listening.</a:t>
+            </a:r>
+          </a:p>
+          <a:p>
+            <a:endParaRPr lang="en-GB" sz="4800" b="1" dirty="0" smtClean="0"/>
+          </a:p>
+          <a:p>
+            <a:pPr algn="ctr"/>
+            <a:r>
+              <a:rPr lang="en-GB" sz="4800" b="1" dirty="0" smtClean="0"/>
+              <a:t>Are there any questions?</a:t>
+            </a:r>
+            <a:endParaRPr lang="en-GB" sz="1200" b="1" dirty="0"/>
+          </a:p>
+        </p:txBody>
+      </p:sp>
+    </p:spTree>
+    <p:extLst>
+      <p:ext uri="{BB962C8B-B14F-4D97-AF65-F5344CB8AC3E}">
+        <p14:creationId xmlns:p14="http://schemas.microsoft.com/office/powerpoint/2010/main" val="3813694120"/>
+      </p:ext>
+    </p:extLst>
+  </p:cSld>
+  <p:clrMapOvr>
+    <a:masterClrMapping/>
+  </p:clrMapOvr>
+</p:sld>
+</file>
+
 <file path=ppt/slides/slide2.xml><?xml version="1.0" encoding="utf-8"?>
 <p:sld xmlns:a="http://schemas.openxmlformats.org/drawingml/2006/main" xmlns:r="http://schemas.openxmlformats.org/officeDocument/2006/relationships" xmlns:p="http://schemas.openxmlformats.org/presentationml/2006/main">
   <p:cSld>
@@ -3721,6 +3793,84 @@
             <a:pPr algn="ctr"/>
             <a:r>
               <a:rPr lang="en-GB" dirty="0" smtClean="0"/>
+              <a:t>OUR SPRINT</a:t>
+            </a:r>
+            <a:endParaRPr lang="en-GB" dirty="0"/>
+          </a:p>
+        </p:txBody>
+      </p:sp>
+      <p:pic>
+        <p:nvPicPr>
+          <p:cNvPr id="3" name="Picture 2"/>
+          <p:cNvPicPr>
+            <a:picLocks noChangeAspect="1"/>
+          </p:cNvPicPr>
+          <p:nvPr/>
+        </p:nvPicPr>
+        <p:blipFill>
+          <a:blip r:embed="rId2"/>
+          <a:stretch>
+            <a:fillRect/>
+          </a:stretch>
+        </p:blipFill>
+        <p:spPr>
+          <a:xfrm>
+            <a:off x="994002" y="2332257"/>
+            <a:ext cx="10201914" cy="2904761"/>
+          </a:xfrm>
+          <a:prstGeom prst="rect">
+            <a:avLst/>
+          </a:prstGeom>
+        </p:spPr>
+      </p:pic>
+    </p:spTree>
+    <p:extLst>
+      <p:ext uri="{BB962C8B-B14F-4D97-AF65-F5344CB8AC3E}">
+        <p14:creationId xmlns:p14="http://schemas.microsoft.com/office/powerpoint/2010/main" val="2054396089"/>
+      </p:ext>
+    </p:extLst>
+  </p:cSld>
+  <p:clrMapOvr>
+    <a:masterClrMapping/>
+  </p:clrMapOvr>
+</p:sld>
+</file>
+
+<file path=ppt/slides/slide5.xml><?xml version="1.0" encoding="utf-8"?>
+<p:sld xmlns:a="http://schemas.openxmlformats.org/drawingml/2006/main" xmlns:r="http://schemas.openxmlformats.org/officeDocument/2006/relationships" xmlns:p="http://schemas.openxmlformats.org/presentationml/2006/main">
+  <p:cSld>
+    <p:spTree>
+      <p:nvGrpSpPr>
+        <p:cNvPr id="1" name=""/>
+        <p:cNvGrpSpPr/>
+        <p:nvPr/>
+      </p:nvGrpSpPr>
+      <p:grpSpPr>
+        <a:xfrm>
+          <a:off x="0" y="0"/>
+          <a:ext cx="0" cy="0"/>
+          <a:chOff x="0" y="0"/>
+          <a:chExt cx="0" cy="0"/>
+        </a:xfrm>
+      </p:grpSpPr>
+      <p:sp>
+        <p:nvSpPr>
+          <p:cNvPr id="2" name="Title 1"/>
+          <p:cNvSpPr>
+            <a:spLocks noGrp="1"/>
+          </p:cNvSpPr>
+          <p:nvPr>
+            <p:ph type="title"/>
+          </p:nvPr>
+        </p:nvSpPr>
+        <p:spPr/>
+        <p:txBody>
+          <a:bodyPr/>
+          <a:lstStyle/>
+          <a:p>
+            <a:pPr algn="ctr"/>
+            <a:r>
+              <a:rPr lang="en-GB" dirty="0" smtClean="0"/>
               <a:t>Our Sprint</a:t>
             </a:r>
             <a:endParaRPr lang="en-GB" dirty="0"/>
@@ -3770,7 +3920,7 @@
 </p:sld>
 </file>
 
-<file path=ppt/slides/slide5.xml><?xml version="1.0" encoding="utf-8"?>
+<file path=ppt/slides/slide6.xml><?xml version="1.0" encoding="utf-8"?>
 <p:sld xmlns:a="http://schemas.openxmlformats.org/drawingml/2006/main" xmlns:r="http://schemas.openxmlformats.org/officeDocument/2006/relationships" xmlns:p="http://schemas.openxmlformats.org/presentationml/2006/main">
   <p:cSld>
     <p:spTree>
@@ -3854,7 +4004,7 @@
 </p:sld>
 </file>
 
-<file path=ppt/slides/slide6.xml><?xml version="1.0" encoding="utf-8"?>
+<file path=ppt/slides/slide7.xml><?xml version="1.0" encoding="utf-8"?>
 <p:sld xmlns:a="http://schemas.openxmlformats.org/drawingml/2006/main" xmlns:r="http://schemas.openxmlformats.org/officeDocument/2006/relationships" xmlns:p="http://schemas.openxmlformats.org/presentationml/2006/main">
   <p:cSld>
     <p:spTree>
@@ -4121,7 +4271,7 @@
 </p:sld>
 </file>
 
-<file path=ppt/slides/slide7.xml><?xml version="1.0" encoding="utf-8"?>
+<file path=ppt/slides/slide8.xml><?xml version="1.0" encoding="utf-8"?>
 <p:sld xmlns:a="http://schemas.openxmlformats.org/drawingml/2006/main" xmlns:r="http://schemas.openxmlformats.org/officeDocument/2006/relationships" xmlns:p="http://schemas.openxmlformats.org/presentationml/2006/main">
   <p:cSld>
     <p:spTree>
@@ -4220,173 +4370,6 @@
     <p:extLst>
       <p:ext uri="{BB962C8B-B14F-4D97-AF65-F5344CB8AC3E}">
         <p14:creationId xmlns:p14="http://schemas.microsoft.com/office/powerpoint/2010/main" val="4182472573"/>
-      </p:ext>
-    </p:extLst>
-  </p:cSld>
-  <p:clrMapOvr>
-    <a:masterClrMapping/>
-  </p:clrMapOvr>
-  <p:timing>
-    <p:tnLst>
-      <p:par>
-        <p:cTn id="1" dur="indefinite" restart="never" nodeType="tmRoot"/>
-      </p:par>
-    </p:tnLst>
-  </p:timing>
-</p:sld>
-</file>
-
-<file path=ppt/slides/slide8.xml><?xml version="1.0" encoding="utf-8"?>
-<p:sld xmlns:a="http://schemas.openxmlformats.org/drawingml/2006/main" xmlns:r="http://schemas.openxmlformats.org/officeDocument/2006/relationships" xmlns:p="http://schemas.openxmlformats.org/presentationml/2006/main">
-  <p:cSld>
-    <p:spTree>
-      <p:nvGrpSpPr>
-        <p:cNvPr id="1" name=""/>
-        <p:cNvGrpSpPr/>
-        <p:nvPr/>
-      </p:nvGrpSpPr>
-      <p:grpSpPr>
-        <a:xfrm>
-          <a:off x="0" y="0"/>
-          <a:ext cx="0" cy="0"/>
-          <a:chOff x="0" y="0"/>
-          <a:chExt cx="0" cy="0"/>
-        </a:xfrm>
-      </p:grpSpPr>
-      <p:sp>
-        <p:nvSpPr>
-          <p:cNvPr id="2" name="Title 1"/>
-          <p:cNvSpPr>
-            <a:spLocks noGrp="1"/>
-          </p:cNvSpPr>
-          <p:nvPr>
-            <p:ph type="title"/>
-          </p:nvPr>
-        </p:nvSpPr>
-        <p:spPr/>
-        <p:txBody>
-          <a:bodyPr/>
-          <a:lstStyle/>
-          <a:p>
-            <a:pPr algn="ctr"/>
-            <a:r>
-              <a:rPr lang="en-GB" dirty="0" smtClean="0"/>
-              <a:t>Evaluation</a:t>
-            </a:r>
-            <a:endParaRPr lang="en-GB" dirty="0"/>
-          </a:p>
-        </p:txBody>
-      </p:sp>
-      <p:sp>
-        <p:nvSpPr>
-          <p:cNvPr id="4" name="TextBox 3"/>
-          <p:cNvSpPr txBox="1"/>
-          <p:nvPr/>
-        </p:nvSpPr>
-        <p:spPr>
-          <a:xfrm>
-            <a:off x="124286" y="3160806"/>
-            <a:ext cx="11824968" cy="2862322"/>
-          </a:xfrm>
-          <a:prstGeom prst="rect">
-            <a:avLst/>
-          </a:prstGeom>
-          <a:noFill/>
-        </p:spPr>
-        <p:txBody>
-          <a:bodyPr wrap="none" rtlCol="0">
-            <a:spAutoFit/>
-          </a:bodyPr>
-          <a:lstStyle/>
-          <a:p>
-            <a:pPr marL="285750" indent="-285750">
-              <a:buFont typeface="Arial" panose="020B0604020202020204" pitchFamily="34" charset="0"/>
-              <a:buChar char="•"/>
-            </a:pPr>
-            <a:r>
-              <a:rPr lang="en-GB" dirty="0" smtClean="0"/>
-              <a:t>In summary, our first sprint has gone reasonably well. </a:t>
-            </a:r>
-          </a:p>
-          <a:p>
-            <a:pPr marL="285750" indent="-285750">
-              <a:buFont typeface="Arial" panose="020B0604020202020204" pitchFamily="34" charset="0"/>
-              <a:buChar char="•"/>
-            </a:pPr>
-            <a:endParaRPr lang="en-GB" dirty="0"/>
-          </a:p>
-          <a:p>
-            <a:pPr marL="285750" indent="-285750">
-              <a:buFont typeface="Arial" panose="020B0604020202020204" pitchFamily="34" charset="0"/>
-              <a:buChar char="•"/>
-            </a:pPr>
-            <a:r>
-              <a:rPr lang="en-GB" dirty="0" smtClean="0"/>
-              <a:t>In the next sprint we need to focus on producing work more consistently at a higher frequency to ensure we meet our</a:t>
-            </a:r>
-            <a:br>
-              <a:rPr lang="en-GB" dirty="0" smtClean="0"/>
-            </a:br>
-            <a:r>
-              <a:rPr lang="en-GB" dirty="0" smtClean="0"/>
-              <a:t>end goals.</a:t>
-            </a:r>
-          </a:p>
-          <a:p>
-            <a:pPr marL="285750" indent="-285750">
-              <a:buFont typeface="Arial" panose="020B0604020202020204" pitchFamily="34" charset="0"/>
-              <a:buChar char="•"/>
-            </a:pPr>
-            <a:endParaRPr lang="en-GB" dirty="0"/>
-          </a:p>
-          <a:p>
-            <a:pPr marL="285750" indent="-285750">
-              <a:buFont typeface="Arial" panose="020B0604020202020204" pitchFamily="34" charset="0"/>
-              <a:buChar char="•"/>
-            </a:pPr>
-            <a:r>
-              <a:rPr lang="en-GB" dirty="0" smtClean="0"/>
-              <a:t>We also need to make sure we understand the user requirements more fully. A lot of assumptions were made in our first </a:t>
-            </a:r>
-            <a:br>
-              <a:rPr lang="en-GB" dirty="0" smtClean="0"/>
-            </a:br>
-            <a:r>
-              <a:rPr lang="en-GB" dirty="0" smtClean="0"/>
-              <a:t>Sprint that were unnecessary as we could’ve just asked our clients.</a:t>
-            </a:r>
-          </a:p>
-          <a:p>
-            <a:pPr marL="285750" indent="-285750">
-              <a:buFont typeface="Arial" panose="020B0604020202020204" pitchFamily="34" charset="0"/>
-              <a:buChar char="•"/>
-            </a:pPr>
-            <a:endParaRPr lang="en-GB" dirty="0" smtClean="0"/>
-          </a:p>
-          <a:p>
-            <a:pPr marL="285750" indent="-285750">
-              <a:buFont typeface="Arial" panose="020B0604020202020204" pitchFamily="34" charset="0"/>
-              <a:buChar char="•"/>
-            </a:pPr>
-            <a:r>
-              <a:rPr lang="en-GB" dirty="0" smtClean="0"/>
-              <a:t>We should invest in spending time creating branches for the GitHub repo with each collaborator’s work to avoid file </a:t>
-            </a:r>
-            <a:br>
-              <a:rPr lang="en-GB" dirty="0" smtClean="0"/>
-            </a:br>
-            <a:r>
-              <a:rPr lang="en-GB" dirty="0" smtClean="0"/>
-              <a:t>conflicts</a:t>
-            </a:r>
-            <a:endParaRPr lang="en-GB" dirty="0"/>
-          </a:p>
-        </p:txBody>
-      </p:sp>
-    </p:spTree>
-    <p:extLst>
-      <p:ext uri="{BB962C8B-B14F-4D97-AF65-F5344CB8AC3E}">
-        <p14:creationId xmlns:p14="http://schemas.microsoft.com/office/powerpoint/2010/main" val="2554587015"/>
       </p:ext>
     </p:extLst>
   </p:cSld>
@@ -4422,14 +4405,38 @@
       </p:grpSpPr>
       <p:sp>
         <p:nvSpPr>
-          <p:cNvPr id="2" name="TextBox 1"/>
+          <p:cNvPr id="2" name="Title 1"/>
+          <p:cNvSpPr>
+            <a:spLocks noGrp="1"/>
+          </p:cNvSpPr>
+          <p:nvPr>
+            <p:ph type="title"/>
+          </p:nvPr>
+        </p:nvSpPr>
+        <p:spPr/>
+        <p:txBody>
+          <a:bodyPr/>
+          <a:lstStyle/>
+          <a:p>
+            <a:pPr algn="ctr"/>
+            <a:r>
+              <a:rPr lang="en-GB" dirty="0" smtClean="0"/>
+              <a:t>Evaluation</a:t>
+            </a:r>
+            <a:endParaRPr lang="en-GB" dirty="0"/>
+          </a:p>
+        </p:txBody>
+      </p:sp>
+      <p:sp>
+        <p:nvSpPr>
+          <p:cNvPr id="4" name="TextBox 3"/>
           <p:cNvSpPr txBox="1"/>
           <p:nvPr/>
         </p:nvSpPr>
         <p:spPr>
           <a:xfrm>
-            <a:off x="0" y="2123132"/>
-            <a:ext cx="12191999" cy="2308324"/>
+            <a:off x="124286" y="3160806"/>
+            <a:ext cx="11824968" cy="2862322"/>
           </a:xfrm>
           <a:prstGeom prst="rect">
             <a:avLst/>
@@ -4437,40 +4444,112 @@
           <a:noFill/>
         </p:spPr>
         <p:txBody>
-          <a:bodyPr wrap="square" rtlCol="0">
+          <a:bodyPr wrap="none" rtlCol="0">
             <a:spAutoFit/>
           </a:bodyPr>
           <a:lstStyle/>
           <a:p>
-            <a:pPr algn="ctr"/>
-            <a:r>
-              <a:rPr lang="en-GB" sz="4800" b="1" dirty="0" smtClean="0"/>
-              <a:t>Thank you for listening.</a:t>
-            </a:r>
-          </a:p>
-          <a:p>
-            <a:endParaRPr lang="en-GB" sz="4800" b="1" dirty="0" smtClean="0"/>
-          </a:p>
-          <a:p>
-            <a:pPr algn="ctr"/>
-            <a:r>
-              <a:rPr lang="en-GB" sz="4800" b="1" dirty="0" smtClean="0"/>
-              <a:t>Are there any questions?</a:t>
-            </a:r>
-            <a:endParaRPr lang="en-GB" sz="1200" b="1" dirty="0"/>
+            <a:pPr marL="285750" indent="-285750">
+              <a:buFont typeface="Arial" panose="020B0604020202020204" pitchFamily="34" charset="0"/>
+              <a:buChar char="•"/>
+            </a:pPr>
+            <a:r>
+              <a:rPr lang="en-GB" dirty="0" smtClean="0"/>
+              <a:t>In summary, our first sprint has gone reasonably well. </a:t>
+            </a:r>
+          </a:p>
+          <a:p>
+            <a:pPr marL="285750" indent="-285750">
+              <a:buFont typeface="Arial" panose="020B0604020202020204" pitchFamily="34" charset="0"/>
+              <a:buChar char="•"/>
+            </a:pPr>
+            <a:endParaRPr lang="en-GB" dirty="0"/>
+          </a:p>
+          <a:p>
+            <a:pPr marL="285750" indent="-285750">
+              <a:buFont typeface="Arial" panose="020B0604020202020204" pitchFamily="34" charset="0"/>
+              <a:buChar char="•"/>
+            </a:pPr>
+            <a:r>
+              <a:rPr lang="en-GB" dirty="0" smtClean="0"/>
+              <a:t>In the next sprint we need to focus on producing work more consistently at a higher frequency to ensure we meet our</a:t>
+            </a:r>
+            <a:br>
+              <a:rPr lang="en-GB" dirty="0" smtClean="0"/>
+            </a:br>
+            <a:r>
+              <a:rPr lang="en-GB" dirty="0" smtClean="0"/>
+              <a:t>end goals.</a:t>
+            </a:r>
+          </a:p>
+          <a:p>
+            <a:pPr marL="285750" indent="-285750">
+              <a:buFont typeface="Arial" panose="020B0604020202020204" pitchFamily="34" charset="0"/>
+              <a:buChar char="•"/>
+            </a:pPr>
+            <a:endParaRPr lang="en-GB" dirty="0"/>
+          </a:p>
+          <a:p>
+            <a:pPr marL="285750" indent="-285750">
+              <a:buFont typeface="Arial" panose="020B0604020202020204" pitchFamily="34" charset="0"/>
+              <a:buChar char="•"/>
+            </a:pPr>
+            <a:r>
+              <a:rPr lang="en-GB" dirty="0" smtClean="0"/>
+              <a:t>We also need to make sure we understand the user requirements more fully. A lot of assumptions were made in our first </a:t>
+            </a:r>
+            <a:br>
+              <a:rPr lang="en-GB" dirty="0" smtClean="0"/>
+            </a:br>
+            <a:r>
+              <a:rPr lang="en-GB" dirty="0" smtClean="0"/>
+              <a:t>Sprint that were unnecessary as we could’ve just asked our clients.</a:t>
+            </a:r>
+          </a:p>
+          <a:p>
+            <a:pPr marL="285750" indent="-285750">
+              <a:buFont typeface="Arial" panose="020B0604020202020204" pitchFamily="34" charset="0"/>
+              <a:buChar char="•"/>
+            </a:pPr>
+            <a:endParaRPr lang="en-GB" dirty="0" smtClean="0"/>
+          </a:p>
+          <a:p>
+            <a:pPr marL="285750" indent="-285750">
+              <a:buFont typeface="Arial" panose="020B0604020202020204" pitchFamily="34" charset="0"/>
+              <a:buChar char="•"/>
+            </a:pPr>
+            <a:r>
+              <a:rPr lang="en-GB" dirty="0" smtClean="0"/>
+              <a:t>We should invest in spending time creating branches for the GitHub repo with each collaborator’s work to avoid file </a:t>
+            </a:r>
+            <a:br>
+              <a:rPr lang="en-GB" dirty="0" smtClean="0"/>
+            </a:br>
+            <a:r>
+              <a:rPr lang="en-GB" dirty="0" smtClean="0"/>
+              <a:t>conflicts</a:t>
+            </a:r>
+            <a:endParaRPr lang="en-GB" dirty="0"/>
           </a:p>
         </p:txBody>
       </p:sp>
     </p:spTree>
     <p:extLst>
       <p:ext uri="{BB962C8B-B14F-4D97-AF65-F5344CB8AC3E}">
-        <p14:creationId xmlns:p14="http://schemas.microsoft.com/office/powerpoint/2010/main" val="3813694120"/>
+        <p14:creationId xmlns:p14="http://schemas.microsoft.com/office/powerpoint/2010/main" val="2554587015"/>
       </p:ext>
     </p:extLst>
   </p:cSld>
   <p:clrMapOvr>
     <a:masterClrMapping/>
   </p:clrMapOvr>
+  <p:timing>
+    <p:tnLst>
+      <p:par>
+        <p:cTn id="1" dur="indefinite" restart="never" nodeType="tmRoot"/>
+      </p:par>
+    </p:tnLst>
+  </p:timing>
 </p:sld>
 </file>
 
